--- a/MVC/PPT/MVC-Core-Overview.pptx
+++ b/MVC/PPT/MVC-Core-Overview.pptx
@@ -5,10 +5,10 @@
     <p:sldMasterId id="2147483660" r:id="rId1"/>
   </p:sldMasterIdLst>
   <p:notesMasterIdLst>
-    <p:notesMasterId r:id="rId17"/>
+    <p:notesMasterId r:id="rId23"/>
   </p:notesMasterIdLst>
   <p:handoutMasterIdLst>
-    <p:handoutMasterId r:id="rId18"/>
+    <p:handoutMasterId r:id="rId24"/>
   </p:handoutMasterIdLst>
   <p:sldIdLst>
     <p:sldId id="270" r:id="rId2"/>
@@ -26,6 +26,12 @@
     <p:sldId id="281" r:id="rId14"/>
     <p:sldId id="282" r:id="rId15"/>
     <p:sldId id="283" r:id="rId16"/>
+    <p:sldId id="286" r:id="rId17"/>
+    <p:sldId id="287" r:id="rId18"/>
+    <p:sldId id="291" r:id="rId19"/>
+    <p:sldId id="339" r:id="rId20"/>
+    <p:sldId id="366" r:id="rId21"/>
+    <p:sldId id="297" r:id="rId22"/>
   </p:sldIdLst>
   <p:sldSz cx="9144000" cy="6858000" type="screen4x3"/>
   <p:notesSz cx="6858000" cy="9144000"/>
@@ -10562,6 +10568,729 @@
 </p:sld>
 </file>
 
+<file path=ppt/slides/slide16.xml><?xml version="1.0" encoding="utf-8"?>
+<p:sld xmlns:a="http://schemas.openxmlformats.org/drawingml/2006/main" xmlns:r="http://schemas.openxmlformats.org/officeDocument/2006/relationships" xmlns:p="http://schemas.openxmlformats.org/presentationml/2006/main">
+  <p:cSld>
+    <p:spTree>
+      <p:nvGrpSpPr>
+        <p:cNvPr id="1" name=""/>
+        <p:cNvGrpSpPr/>
+        <p:nvPr/>
+      </p:nvGrpSpPr>
+      <p:grpSpPr>
+        <a:xfrm>
+          <a:off x="0" y="0"/>
+          <a:ext cx="0" cy="0"/>
+          <a:chOff x="0" y="0"/>
+          <a:chExt cx="0" cy="0"/>
+        </a:xfrm>
+      </p:grpSpPr>
+      <p:sp>
+        <p:nvSpPr>
+          <p:cNvPr id="2" name="Title 1"/>
+          <p:cNvSpPr>
+            <a:spLocks noGrp="1"/>
+          </p:cNvSpPr>
+          <p:nvPr>
+            <p:ph type="title"/>
+          </p:nvPr>
+        </p:nvSpPr>
+        <p:spPr/>
+        <p:txBody>
+          <a:bodyPr/>
+          <a:lstStyle/>
+          <a:p>
+            <a:r>
+              <a:rPr lang="en-US" dirty="0"/>
+              <a:t>Controller</a:t>
+            </a:r>
+          </a:p>
+        </p:txBody>
+      </p:sp>
+      <p:sp>
+        <p:nvSpPr>
+          <p:cNvPr id="3" name="Content Placeholder 2"/>
+          <p:cNvSpPr>
+            <a:spLocks noGrp="1"/>
+          </p:cNvSpPr>
+          <p:nvPr>
+            <p:ph sz="quarter" idx="1"/>
+          </p:nvPr>
+        </p:nvSpPr>
+        <p:spPr/>
+        <p:txBody>
+          <a:bodyPr>
+            <a:normAutofit lnSpcReduction="10000"/>
+          </a:bodyPr>
+          <a:lstStyle/>
+          <a:p>
+            <a:r>
+              <a:rPr lang="en-US" sz="1600" dirty="0"/>
+              <a:t>The Controller in MVC architecture handles any incoming URL request. Controller is a class, derived from the base class </a:t>
+            </a:r>
+            <a:r>
+              <a:rPr lang="en-US" sz="1600" i="1" dirty="0" err="1"/>
+              <a:t>System.Web.Mvc.Controller</a:t>
+            </a:r>
+            <a:r>
+              <a:rPr lang="en-US" sz="1600" dirty="0"/>
+              <a:t>. Controller class contains public methods called </a:t>
+            </a:r>
+            <a:r>
+              <a:rPr lang="en-US" sz="1600" b="1" dirty="0"/>
+              <a:t>Action</a:t>
+            </a:r>
+            <a:r>
+              <a:rPr lang="en-US" sz="1600" dirty="0"/>
+              <a:t> methods. Controller and its action method handles incoming browser requests, retrieves necessary model data and returns appropriate responses.</a:t>
+            </a:r>
+          </a:p>
+          <a:p>
+            <a:r>
+              <a:rPr lang="en-US" sz="1600" dirty="0"/>
+              <a:t>In ASP.NET MVC, every controller class name must end with a word "Controller". For example, controller for home page must be </a:t>
+            </a:r>
+            <a:r>
+              <a:rPr lang="en-US" sz="1600" dirty="0" err="1"/>
+              <a:t>HomeController</a:t>
+            </a:r>
+            <a:r>
+              <a:rPr lang="en-US" sz="1600" dirty="0"/>
+              <a:t> and controller for student must be </a:t>
+            </a:r>
+            <a:r>
+              <a:rPr lang="en-US" sz="1600" dirty="0" err="1"/>
+              <a:t>StudentController</a:t>
+            </a:r>
+            <a:r>
+              <a:rPr lang="en-US" sz="1600" dirty="0"/>
+              <a:t>. Also, every controller class must be located in Controller folder of MVC folder structure.</a:t>
+            </a:r>
+          </a:p>
+          <a:p>
+            <a:r>
+              <a:rPr lang="en-US" sz="1600" dirty="0"/>
+              <a:t>In the Visual Studio, right click on the </a:t>
+            </a:r>
+            <a:r>
+              <a:rPr lang="en-US" sz="1600" b="1" dirty="0"/>
+              <a:t>Controller</a:t>
+            </a:r>
+            <a:r>
+              <a:rPr lang="en-US" sz="1600" dirty="0"/>
+              <a:t> folder -&gt; select </a:t>
+            </a:r>
+            <a:r>
+              <a:rPr lang="en-US" sz="1600" b="1" dirty="0"/>
+              <a:t>Add</a:t>
+            </a:r>
+            <a:r>
+              <a:rPr lang="en-US" sz="1600" dirty="0"/>
+              <a:t> -&gt; click on </a:t>
+            </a:r>
+            <a:r>
+              <a:rPr lang="en-US" sz="1600" b="1" dirty="0"/>
+              <a:t>Controller</a:t>
+            </a:r>
+          </a:p>
+          <a:p>
+            <a:r>
+              <a:rPr lang="en-US" sz="1600" b="1" dirty="0"/>
+              <a:t>Note: </a:t>
+            </a:r>
+            <a:r>
+              <a:rPr lang="en-US" sz="1600" dirty="0"/>
+              <a:t>MVC will throw "The resource cannot be found" error when you do not append "Controller" to the controller class name.</a:t>
+            </a:r>
+          </a:p>
+          <a:p>
+            <a:r>
+              <a:rPr lang="en-US" sz="1600" dirty="0"/>
+              <a:t>New controller can be created using different scaffolding templates. You can create custom scaffolding template also.</a:t>
+            </a:r>
+          </a:p>
+          <a:p>
+            <a:r>
+              <a:rPr lang="en-US" sz="1600" b="1" dirty="0" err="1"/>
+              <a:t>Note:</a:t>
+            </a:r>
+            <a:r>
+              <a:rPr lang="en-US" sz="1600" dirty="0" err="1"/>
+              <a:t>Scaffolding</a:t>
+            </a:r>
+            <a:r>
+              <a:rPr lang="en-US" sz="1600" dirty="0"/>
+              <a:t> is an automatic code generation framework for ASP.NET web applications. Scaffolding reduces the time taken to develop a controller, view etc. in MVC framework.</a:t>
+            </a:r>
+          </a:p>
+          <a:p>
+            <a:r>
+              <a:rPr lang="en-US" sz="1600" dirty="0" err="1"/>
+              <a:t>Note:This</a:t>
+            </a:r>
+            <a:r>
+              <a:rPr lang="en-US" sz="1600" dirty="0"/>
+              <a:t> base Controller class contains helper methods that can be used for various purposes.</a:t>
+            </a:r>
+          </a:p>
+        </p:txBody>
+      </p:sp>
+    </p:spTree>
+  </p:cSld>
+  <p:clrMapOvr>
+    <a:masterClrMapping/>
+  </p:clrMapOvr>
+</p:sld>
+</file>
+
+<file path=ppt/slides/slide17.xml><?xml version="1.0" encoding="utf-8"?>
+<p:sld xmlns:a="http://schemas.openxmlformats.org/drawingml/2006/main" xmlns:r="http://schemas.openxmlformats.org/officeDocument/2006/relationships" xmlns:p="http://schemas.openxmlformats.org/presentationml/2006/main">
+  <p:cSld>
+    <p:spTree>
+      <p:nvGrpSpPr>
+        <p:cNvPr id="1" name=""/>
+        <p:cNvGrpSpPr/>
+        <p:nvPr/>
+      </p:nvGrpSpPr>
+      <p:grpSpPr>
+        <a:xfrm>
+          <a:off x="0" y="0"/>
+          <a:ext cx="0" cy="0"/>
+          <a:chOff x="0" y="0"/>
+          <a:chExt cx="0" cy="0"/>
+        </a:xfrm>
+      </p:grpSpPr>
+      <p:sp>
+        <p:nvSpPr>
+          <p:cNvPr id="2" name="Title 1"/>
+          <p:cNvSpPr>
+            <a:spLocks noGrp="1"/>
+          </p:cNvSpPr>
+          <p:nvPr>
+            <p:ph type="title"/>
+          </p:nvPr>
+        </p:nvSpPr>
+        <p:spPr/>
+        <p:txBody>
+          <a:bodyPr/>
+          <a:lstStyle/>
+          <a:p>
+            <a:r>
+              <a:rPr lang="en-US" dirty="0"/>
+              <a:t>Action method</a:t>
+            </a:r>
+          </a:p>
+        </p:txBody>
+      </p:sp>
+      <p:sp>
+        <p:nvSpPr>
+          <p:cNvPr id="3" name="Content Placeholder 2"/>
+          <p:cNvSpPr>
+            <a:spLocks noGrp="1"/>
+          </p:cNvSpPr>
+          <p:nvPr>
+            <p:ph sz="quarter" idx="1"/>
+          </p:nvPr>
+        </p:nvSpPr>
+        <p:spPr/>
+        <p:txBody>
+          <a:bodyPr>
+            <a:normAutofit/>
+          </a:bodyPr>
+          <a:lstStyle/>
+          <a:p>
+            <a:r>
+              <a:rPr lang="en-US" sz="1600" dirty="0"/>
+              <a:t>All the public methods of a Controller class are called Action methods. They are like any other normal methods with the following restrictions:</a:t>
+            </a:r>
+          </a:p>
+          <a:p>
+            <a:r>
+              <a:rPr lang="en-US" sz="1600" dirty="0"/>
+              <a:t>Action method must be public. It cannot be private or protected</a:t>
+            </a:r>
+          </a:p>
+          <a:p>
+            <a:r>
+              <a:rPr lang="en-US" sz="1600" dirty="0"/>
+              <a:t>Action method cannot be a static method.</a:t>
+            </a:r>
+          </a:p>
+          <a:p>
+            <a:endParaRPr lang="en-US" sz="1600" dirty="0"/>
+          </a:p>
+        </p:txBody>
+      </p:sp>
+      <p:pic>
+        <p:nvPicPr>
+          <p:cNvPr id="1027" name="Picture 3" descr="C:\Users\Santu\Desktop\action-method.png"/>
+          <p:cNvPicPr>
+            <a:picLocks noChangeAspect="1" noChangeArrowheads="1"/>
+          </p:cNvPicPr>
+          <p:nvPr/>
+        </p:nvPicPr>
+        <p:blipFill>
+          <a:blip r:embed="rId2"/>
+          <a:srcRect/>
+          <a:stretch>
+            <a:fillRect/>
+          </a:stretch>
+        </p:blipFill>
+        <p:spPr bwMode="auto">
+          <a:xfrm>
+            <a:off x="990601" y="3276600"/>
+            <a:ext cx="6664036" cy="2819400"/>
+          </a:xfrm>
+          <a:prstGeom prst="rect">
+            <a:avLst/>
+          </a:prstGeom>
+          <a:noFill/>
+        </p:spPr>
+      </p:pic>
+    </p:spTree>
+  </p:cSld>
+  <p:clrMapOvr>
+    <a:masterClrMapping/>
+  </p:clrMapOvr>
+</p:sld>
+</file>
+
+<file path=ppt/slides/slide18.xml><?xml version="1.0" encoding="utf-8"?>
+<p:sld xmlns:a="http://schemas.openxmlformats.org/drawingml/2006/main" xmlns:r="http://schemas.openxmlformats.org/officeDocument/2006/relationships" xmlns:p="http://schemas.openxmlformats.org/presentationml/2006/main">
+  <p:cSld>
+    <p:spTree>
+      <p:nvGrpSpPr>
+        <p:cNvPr id="1" name=""/>
+        <p:cNvGrpSpPr/>
+        <p:nvPr/>
+      </p:nvGrpSpPr>
+      <p:grpSpPr>
+        <a:xfrm>
+          <a:off x="0" y="0"/>
+          <a:ext cx="0" cy="0"/>
+          <a:chOff x="0" y="0"/>
+          <a:chExt cx="0" cy="0"/>
+        </a:xfrm>
+      </p:grpSpPr>
+      <p:sp>
+        <p:nvSpPr>
+          <p:cNvPr id="2" name="Title 1"/>
+          <p:cNvSpPr>
+            <a:spLocks noGrp="1"/>
+          </p:cNvSpPr>
+          <p:nvPr>
+            <p:ph type="title"/>
+          </p:nvPr>
+        </p:nvSpPr>
+        <p:spPr/>
+        <p:txBody>
+          <a:bodyPr>
+            <a:normAutofit fontScale="90000"/>
+          </a:bodyPr>
+          <a:lstStyle/>
+          <a:p>
+            <a:r>
+              <a:rPr lang="en-US" dirty="0"/>
+              <a:t>Passing Data from Controller to View	</a:t>
+            </a:r>
+          </a:p>
+        </p:txBody>
+      </p:sp>
+      <p:sp>
+        <p:nvSpPr>
+          <p:cNvPr id="3" name="Content Placeholder 2"/>
+          <p:cNvSpPr>
+            <a:spLocks noGrp="1"/>
+          </p:cNvSpPr>
+          <p:nvPr>
+            <p:ph sz="quarter" idx="1"/>
+          </p:nvPr>
+        </p:nvSpPr>
+        <p:spPr/>
+        <p:txBody>
+          <a:bodyPr>
+            <a:normAutofit fontScale="85000" lnSpcReduction="10000"/>
+          </a:bodyPr>
+          <a:lstStyle/>
+          <a:p>
+            <a:r>
+              <a:rPr lang="en-US" sz="1800" dirty="0"/>
+              <a:t>In ASP.NET MVC offers us three options - </a:t>
+            </a:r>
+            <a:r>
+              <a:rPr lang="en-US" sz="1800" dirty="0" err="1"/>
+              <a:t>ViewData</a:t>
+            </a:r>
+            <a:r>
+              <a:rPr lang="en-US" sz="1800" dirty="0"/>
+              <a:t>, </a:t>
+            </a:r>
+            <a:r>
+              <a:rPr lang="en-US" sz="1800" dirty="0" err="1"/>
+              <a:t>ViewBag</a:t>
+            </a:r>
+            <a:r>
+              <a:rPr lang="en-US" sz="1800" dirty="0"/>
+              <a:t> and </a:t>
+            </a:r>
+            <a:r>
+              <a:rPr lang="en-US" sz="1800" dirty="0" err="1"/>
+              <a:t>TempData</a:t>
+            </a:r>
+            <a:r>
+              <a:rPr lang="en-US" sz="1800" dirty="0"/>
+              <a:t> to pass data from controller actions to view and in next request.</a:t>
+            </a:r>
+          </a:p>
+          <a:p>
+            <a:r>
+              <a:rPr lang="en-US" sz="1800" dirty="0" err="1"/>
+              <a:t>ViewData</a:t>
+            </a:r>
+            <a:endParaRPr lang="en-US" sz="1800" dirty="0"/>
+          </a:p>
+          <a:p>
+            <a:pPr lvl="1"/>
+            <a:r>
+              <a:rPr lang="en-US" sz="1800" dirty="0" err="1"/>
+              <a:t>ViewData</a:t>
+            </a:r>
+            <a:r>
+              <a:rPr lang="en-US" sz="1800" dirty="0"/>
+              <a:t> is used to pass data from controller to corresponding view.</a:t>
+            </a:r>
+          </a:p>
+          <a:p>
+            <a:pPr lvl="1"/>
+            <a:r>
+              <a:rPr lang="en-US" sz="1800" dirty="0" err="1"/>
+              <a:t>ViewData</a:t>
+            </a:r>
+            <a:r>
+              <a:rPr lang="en-US" sz="1800" dirty="0"/>
+              <a:t> is Key-Value Dictionary collection.</a:t>
+            </a:r>
+          </a:p>
+          <a:p>
+            <a:pPr lvl="1"/>
+            <a:r>
+              <a:rPr lang="en-US" sz="1800" dirty="0" err="1"/>
+              <a:t>ViewData</a:t>
+            </a:r>
+            <a:r>
+              <a:rPr lang="en-US" sz="1800" dirty="0"/>
+              <a:t> is a dictionary object and it is property of </a:t>
+            </a:r>
+            <a:r>
+              <a:rPr lang="en-US" sz="1800" dirty="0" err="1"/>
+              <a:t>ControllerBase</a:t>
+            </a:r>
+            <a:r>
+              <a:rPr lang="en-US" sz="1800" dirty="0"/>
+              <a:t> class.</a:t>
+            </a:r>
+          </a:p>
+          <a:p>
+            <a:pPr lvl="1"/>
+            <a:r>
+              <a:rPr lang="en-US" sz="1800" dirty="0" err="1"/>
+              <a:t>ViewData</a:t>
+            </a:r>
+            <a:r>
+              <a:rPr lang="en-US" sz="1800" dirty="0"/>
+              <a:t> requires typecasting for complex data type and check for null values to avoid error.</a:t>
+            </a:r>
+          </a:p>
+          <a:p>
+            <a:pPr lvl="1"/>
+            <a:r>
+              <a:rPr lang="en-US" sz="1800" dirty="0"/>
+              <a:t>Viewdata[“key”]=value</a:t>
+            </a:r>
+          </a:p>
+          <a:p>
+            <a:r>
+              <a:rPr lang="en-US" sz="1800" dirty="0" err="1"/>
+              <a:t>ViewBag</a:t>
+            </a:r>
+            <a:endParaRPr lang="en-US" sz="1800" dirty="0"/>
+          </a:p>
+          <a:p>
+            <a:pPr lvl="1"/>
+            <a:r>
+              <a:rPr lang="en-US" sz="1800" dirty="0" err="1"/>
+              <a:t>ViewBag</a:t>
+            </a:r>
+            <a:r>
+              <a:rPr lang="en-US" sz="1800" dirty="0"/>
+              <a:t> is also used to pass data from controller to corresponding view.</a:t>
+            </a:r>
+          </a:p>
+          <a:p>
+            <a:pPr lvl="1"/>
+            <a:r>
+              <a:rPr lang="en-US" sz="1800" dirty="0" err="1"/>
+              <a:t>ViewBag</a:t>
+            </a:r>
+            <a:r>
+              <a:rPr lang="en-US" sz="1800" dirty="0"/>
+              <a:t> is a dynamic property that takes advantage of the new dynamic features in C# 4.0.</a:t>
+            </a:r>
+          </a:p>
+          <a:p>
+            <a:pPr lvl="1"/>
+            <a:r>
+              <a:rPr lang="en-US" sz="1800" dirty="0" err="1"/>
+              <a:t>ViewBag</a:t>
+            </a:r>
+            <a:r>
+              <a:rPr lang="en-US" sz="1800" dirty="0"/>
+              <a:t> is Dynamic property of </a:t>
+            </a:r>
+            <a:r>
+              <a:rPr lang="en-US" sz="1800" dirty="0" err="1"/>
+              <a:t>ControllerBase</a:t>
+            </a:r>
+            <a:r>
+              <a:rPr lang="en-US" sz="1800" dirty="0"/>
+              <a:t> class.</a:t>
+            </a:r>
+          </a:p>
+          <a:p>
+            <a:pPr lvl="1"/>
+            <a:r>
+              <a:rPr lang="en-US" sz="1800" dirty="0"/>
+              <a:t>It doesn’t required typecasting for getting complex data type.</a:t>
+            </a:r>
+          </a:p>
+          <a:p>
+            <a:pPr lvl="1"/>
+            <a:r>
+              <a:rPr lang="en-US" sz="1800" dirty="0"/>
+              <a:t>Note: Can we pass </a:t>
+            </a:r>
+            <a:r>
+              <a:rPr lang="en-US" sz="1800" dirty="0" err="1"/>
+              <a:t>ViewData</a:t>
+            </a:r>
+            <a:r>
+              <a:rPr lang="en-US" sz="1800" dirty="0"/>
+              <a:t> and get it as </a:t>
+            </a:r>
+            <a:r>
+              <a:rPr lang="en-US" sz="1800" dirty="0" err="1"/>
+              <a:t>ViewBag</a:t>
+            </a:r>
+            <a:r>
+              <a:rPr lang="en-US" sz="1800" dirty="0"/>
+              <a:t>?</a:t>
+            </a:r>
+          </a:p>
+          <a:p>
+            <a:pPr lvl="1">
+              <a:buNone/>
+            </a:pPr>
+            <a:r>
+              <a:rPr lang="en-US" sz="1800" dirty="0"/>
+              <a:t>    Yes, We can. Vice versa is also possible.</a:t>
+            </a:r>
+          </a:p>
+          <a:p>
+            <a:pPr lvl="1">
+              <a:buNone/>
+            </a:pPr>
+            <a:r>
+              <a:rPr lang="en-US" sz="1800" dirty="0" err="1"/>
+              <a:t>Viewbag.PropName</a:t>
+            </a:r>
+            <a:r>
+              <a:rPr lang="en-US" sz="1800" dirty="0"/>
+              <a:t>=value</a:t>
+            </a:r>
+          </a:p>
+          <a:p>
+            <a:pPr lvl="1"/>
+            <a:endParaRPr lang="en-US" sz="1800" dirty="0"/>
+          </a:p>
+          <a:p>
+            <a:endParaRPr lang="en-US" sz="1800" dirty="0">
+              <a:solidFill>
+                <a:srgbClr val="333333"/>
+              </a:solidFill>
+              <a:latin typeface="Helvetica Neue"/>
+            </a:endParaRPr>
+          </a:p>
+          <a:p>
+            <a:endParaRPr lang="en-US" sz="1600" dirty="0">
+              <a:solidFill>
+                <a:srgbClr val="333333"/>
+              </a:solidFill>
+              <a:latin typeface="Helvetica Neue"/>
+            </a:endParaRPr>
+          </a:p>
+          <a:p>
+            <a:endParaRPr lang="en-US" sz="1600" dirty="0"/>
+          </a:p>
+        </p:txBody>
+      </p:sp>
+    </p:spTree>
+  </p:cSld>
+  <p:clrMapOvr>
+    <a:masterClrMapping/>
+  </p:clrMapOvr>
+</p:sld>
+</file>
+
+<file path=ppt/slides/slide19.xml><?xml version="1.0" encoding="utf-8"?>
+<p:sld xmlns:a="http://schemas.openxmlformats.org/drawingml/2006/main" xmlns:r="http://schemas.openxmlformats.org/officeDocument/2006/relationships" xmlns:p="http://schemas.openxmlformats.org/presentationml/2006/main">
+  <p:cSld>
+    <p:spTree>
+      <p:nvGrpSpPr>
+        <p:cNvPr id="1" name=""/>
+        <p:cNvGrpSpPr/>
+        <p:nvPr/>
+      </p:nvGrpSpPr>
+      <p:grpSpPr>
+        <a:xfrm>
+          <a:off x="0" y="0"/>
+          <a:ext cx="0" cy="0"/>
+          <a:chOff x="0" y="0"/>
+          <a:chExt cx="0" cy="0"/>
+        </a:xfrm>
+      </p:grpSpPr>
+      <p:sp>
+        <p:nvSpPr>
+          <p:cNvPr id="2" name="Title 1"/>
+          <p:cNvSpPr>
+            <a:spLocks noGrp="1"/>
+          </p:cNvSpPr>
+          <p:nvPr>
+            <p:ph type="title"/>
+          </p:nvPr>
+        </p:nvSpPr>
+        <p:spPr/>
+        <p:txBody>
+          <a:bodyPr/>
+          <a:lstStyle/>
+          <a:p>
+            <a:r>
+              <a:rPr lang="en-US" dirty="0"/>
+              <a:t>Controllers</a:t>
+            </a:r>
+          </a:p>
+        </p:txBody>
+      </p:sp>
+      <p:sp>
+        <p:nvSpPr>
+          <p:cNvPr id="3" name="Content Placeholder 2"/>
+          <p:cNvSpPr>
+            <a:spLocks noGrp="1"/>
+          </p:cNvSpPr>
+          <p:nvPr>
+            <p:ph sz="quarter" idx="1"/>
+          </p:nvPr>
+        </p:nvSpPr>
+        <p:spPr/>
+        <p:txBody>
+          <a:bodyPr>
+            <a:normAutofit/>
+          </a:bodyPr>
+          <a:lstStyle/>
+          <a:p>
+            <a:r>
+              <a:rPr lang="en-US" sz="1800" dirty="0" err="1"/>
+              <a:t>TempData</a:t>
+            </a:r>
+            <a:endParaRPr lang="en-US" sz="1800" dirty="0"/>
+          </a:p>
+          <a:p>
+            <a:pPr lvl="1"/>
+            <a:r>
+              <a:rPr lang="en-US" sz="1500" dirty="0" err="1"/>
+              <a:t>TempData</a:t>
+            </a:r>
+            <a:r>
+              <a:rPr lang="en-US" sz="1500" dirty="0"/>
+              <a:t> is also Key-Value Dictionary collection.</a:t>
+            </a:r>
+          </a:p>
+          <a:p>
+            <a:pPr lvl="1"/>
+            <a:r>
+              <a:rPr lang="en-US" sz="1500" dirty="0" err="1"/>
+              <a:t>TempData</a:t>
+            </a:r>
+            <a:r>
+              <a:rPr lang="en-US" sz="1500" dirty="0"/>
+              <a:t> is used to pass data from current request to subsequent request (pass data from controller to controller).</a:t>
+            </a:r>
+          </a:p>
+          <a:p>
+            <a:pPr lvl="1"/>
+            <a:r>
+              <a:rPr lang="en-US" sz="1500" dirty="0" err="1"/>
+              <a:t>TempData</a:t>
+            </a:r>
+            <a:r>
+              <a:rPr lang="en-US" sz="1500" dirty="0"/>
+              <a:t> requires typecasting for complex data type and check for null values to avoid error.</a:t>
+            </a:r>
+          </a:p>
+          <a:p>
+            <a:endParaRPr lang="en-US" sz="1800" dirty="0">
+              <a:solidFill>
+                <a:srgbClr val="333333"/>
+              </a:solidFill>
+              <a:latin typeface="Helvetica Neue"/>
+            </a:endParaRPr>
+          </a:p>
+          <a:p>
+            <a:endParaRPr lang="en-US" sz="1600" dirty="0">
+              <a:solidFill>
+                <a:srgbClr val="333333"/>
+              </a:solidFill>
+              <a:latin typeface="Helvetica Neue"/>
+            </a:endParaRPr>
+          </a:p>
+          <a:p>
+            <a:endParaRPr lang="en-US" sz="1600" dirty="0"/>
+          </a:p>
+        </p:txBody>
+      </p:sp>
+      <p:pic>
+        <p:nvPicPr>
+          <p:cNvPr id="2050" name="Picture 2" descr="C:\Users\Santu\Desktop\Capture.PNG"/>
+          <p:cNvPicPr>
+            <a:picLocks noChangeAspect="1" noChangeArrowheads="1"/>
+          </p:cNvPicPr>
+          <p:nvPr/>
+        </p:nvPicPr>
+        <p:blipFill>
+          <a:blip r:embed="rId2"/>
+          <a:srcRect/>
+          <a:stretch>
+            <a:fillRect/>
+          </a:stretch>
+        </p:blipFill>
+        <p:spPr bwMode="auto">
+          <a:xfrm>
+            <a:off x="1066800" y="3505200"/>
+            <a:ext cx="6859588" cy="2343150"/>
+          </a:xfrm>
+          <a:prstGeom prst="rect">
+            <a:avLst/>
+          </a:prstGeom>
+          <a:noFill/>
+        </p:spPr>
+      </p:pic>
+    </p:spTree>
+  </p:cSld>
+  <p:clrMapOvr>
+    <a:masterClrMapping/>
+  </p:clrMapOvr>
+</p:sld>
+</file>
+
 <file path=ppt/slides/slide2.xml><?xml version="1.0" encoding="utf-8"?>
 <p:sld xmlns:a="http://schemas.openxmlformats.org/drawingml/2006/main" xmlns:r="http://schemas.openxmlformats.org/officeDocument/2006/relationships" xmlns:p="http://schemas.openxmlformats.org/presentationml/2006/main">
   <p:cSld>
@@ -10665,6 +11394,578 @@
         <p14:creationId xmlns:p14="http://schemas.microsoft.com/office/powerpoint/2010/main" val="2960062855"/>
       </p:ext>
     </p:extLst>
+  </p:cSld>
+  <p:clrMapOvr>
+    <a:masterClrMapping/>
+  </p:clrMapOvr>
+</p:sld>
+</file>
+
+<file path=ppt/slides/slide20.xml><?xml version="1.0" encoding="utf-8"?>
+<p:sld xmlns:a="http://schemas.openxmlformats.org/drawingml/2006/main" xmlns:r="http://schemas.openxmlformats.org/officeDocument/2006/relationships" xmlns:p="http://schemas.openxmlformats.org/presentationml/2006/main">
+  <p:cSld>
+    <p:spTree>
+      <p:nvGrpSpPr>
+        <p:cNvPr id="1" name=""/>
+        <p:cNvGrpSpPr/>
+        <p:nvPr/>
+      </p:nvGrpSpPr>
+      <p:grpSpPr>
+        <a:xfrm>
+          <a:off x="0" y="0"/>
+          <a:ext cx="0" cy="0"/>
+          <a:chOff x="0" y="0"/>
+          <a:chExt cx="0" cy="0"/>
+        </a:xfrm>
+      </p:grpSpPr>
+      <p:sp>
+        <p:nvSpPr>
+          <p:cNvPr id="2" name="Title 1"/>
+          <p:cNvSpPr>
+            <a:spLocks noGrp="1"/>
+          </p:cNvSpPr>
+          <p:nvPr>
+            <p:ph type="title"/>
+          </p:nvPr>
+        </p:nvSpPr>
+        <p:spPr/>
+        <p:txBody>
+          <a:bodyPr>
+            <a:normAutofit fontScale="90000"/>
+          </a:bodyPr>
+          <a:lstStyle/>
+          <a:p>
+            <a:r>
+              <a:rPr lang="en-US" dirty="0"/>
+              <a:t>Problems with </a:t>
+            </a:r>
+            <a:r>
+              <a:rPr lang="en-US" dirty="0" err="1"/>
+              <a:t>ViewData</a:t>
+            </a:r>
+            <a:r>
+              <a:rPr lang="en-US" dirty="0"/>
+              <a:t> and </a:t>
+            </a:r>
+            <a:r>
+              <a:rPr lang="en-US" dirty="0" err="1"/>
+              <a:t>ViewBag</a:t>
+            </a:r>
+            <a:endParaRPr lang="en-US" dirty="0"/>
+          </a:p>
+        </p:txBody>
+      </p:sp>
+      <p:sp>
+        <p:nvSpPr>
+          <p:cNvPr id="3" name="Content Placeholder 2"/>
+          <p:cNvSpPr>
+            <a:spLocks noGrp="1"/>
+          </p:cNvSpPr>
+          <p:nvPr>
+            <p:ph sz="quarter" idx="1"/>
+          </p:nvPr>
+        </p:nvSpPr>
+        <p:spPr/>
+        <p:txBody>
+          <a:bodyPr>
+            <a:normAutofit fontScale="85000" lnSpcReduction="20000"/>
+          </a:bodyPr>
+          <a:lstStyle/>
+          <a:p>
+            <a:r>
+              <a:rPr lang="en-US" sz="1900" dirty="0" err="1"/>
+              <a:t>ViewData</a:t>
+            </a:r>
+            <a:r>
+              <a:rPr lang="en-US" sz="1900" dirty="0"/>
+              <a:t> and </a:t>
+            </a:r>
+            <a:r>
+              <a:rPr lang="en-US" sz="1900" dirty="0" err="1"/>
+              <a:t>ViewBag</a:t>
+            </a:r>
+            <a:r>
+              <a:rPr lang="en-US" sz="1900" dirty="0"/>
+              <a:t> is a good option for passing values between Controller and View. But in real time </a:t>
+            </a:r>
+            <a:r>
+              <a:rPr lang="en-US" sz="1900"/>
+              <a:t>projects couple </a:t>
+            </a:r>
+            <a:r>
+              <a:rPr lang="en-US" sz="1900" dirty="0"/>
+              <a:t>of disadvantages of using </a:t>
+            </a:r>
+            <a:r>
+              <a:rPr lang="en-US" sz="1900" dirty="0" err="1"/>
+              <a:t>ViewData</a:t>
+            </a:r>
+            <a:r>
+              <a:rPr lang="en-US" sz="1900" dirty="0"/>
+              <a:t> and </a:t>
+            </a:r>
+            <a:r>
+              <a:rPr lang="en-US" sz="1900" dirty="0" err="1"/>
+              <a:t>ViewBag</a:t>
+            </a:r>
+            <a:r>
+              <a:rPr lang="en-US" sz="1900" dirty="0"/>
+              <a:t>.</a:t>
+            </a:r>
+          </a:p>
+          <a:p>
+            <a:r>
+              <a:rPr lang="en-US" sz="2400" b="1" dirty="0"/>
+              <a:t>Performance issues</a:t>
+            </a:r>
+          </a:p>
+          <a:p>
+            <a:r>
+              <a:rPr lang="en-US" sz="1900" dirty="0"/>
+              <a:t>Values inside the </a:t>
+            </a:r>
+            <a:r>
+              <a:rPr lang="en-US" sz="1900" dirty="0" err="1"/>
+              <a:t>ViewData</a:t>
+            </a:r>
+            <a:r>
+              <a:rPr lang="en-US" sz="1900" dirty="0"/>
+              <a:t> are of type Object. We have to cast the value to correct type before using it. It adds additional overhead on performance.</a:t>
+            </a:r>
+          </a:p>
+          <a:p>
+            <a:r>
+              <a:rPr lang="en-US" sz="2400" b="1" dirty="0"/>
+              <a:t>No Type safety and no compile time errors</a:t>
+            </a:r>
+          </a:p>
+          <a:p>
+            <a:r>
+              <a:rPr lang="en-US" sz="1900" dirty="0"/>
+              <a:t>If we try to cast values to wrong type or if we use wrong keys while retrieving the values, we will get runtime error. As a good programming practice, error should be tackled in compiled time.</a:t>
+            </a:r>
+          </a:p>
+          <a:p>
+            <a:r>
+              <a:rPr lang="en-US" sz="2400" b="1" dirty="0"/>
+              <a:t>No Proper connection between Data sent and Data Received</a:t>
+            </a:r>
+          </a:p>
+          <a:p>
+            <a:r>
+              <a:rPr lang="en-US" sz="1900" dirty="0"/>
+              <a:t>In MVC, controller and View are loosely connected to each other. Controller is completely unaware about what’s happening in View and View is unaware about what’s happening in Controller.</a:t>
+            </a:r>
+          </a:p>
+          <a:p>
+            <a:r>
+              <a:rPr lang="en-US" sz="1900" dirty="0"/>
+              <a:t>From Controller we can pass one or more </a:t>
+            </a:r>
+            <a:r>
+              <a:rPr lang="en-US" sz="1900" dirty="0" err="1"/>
+              <a:t>ViewData</a:t>
+            </a:r>
+            <a:r>
+              <a:rPr lang="en-US" sz="1900" dirty="0"/>
+              <a:t>/</a:t>
+            </a:r>
+            <a:r>
+              <a:rPr lang="en-US" sz="1900" dirty="0" err="1"/>
+              <a:t>ViewBag</a:t>
+            </a:r>
+            <a:r>
+              <a:rPr lang="en-US" sz="1900" dirty="0"/>
+              <a:t> values. Now when Developer writes a View, he/she have to remember what is coming from the controller. If Controller developer is different from View developer then it becomes even more difficult. Complete unawareness. It leads to many run time issues and inefficiency in development.</a:t>
+            </a:r>
+          </a:p>
+          <a:p>
+            <a:endParaRPr lang="en-US" sz="1800" dirty="0"/>
+          </a:p>
+          <a:p>
+            <a:endParaRPr lang="en-US" sz="1800" dirty="0">
+              <a:solidFill>
+                <a:srgbClr val="333333"/>
+              </a:solidFill>
+              <a:latin typeface="Helvetica Neue"/>
+            </a:endParaRPr>
+          </a:p>
+          <a:p>
+            <a:endParaRPr lang="en-US" sz="1600" dirty="0">
+              <a:solidFill>
+                <a:srgbClr val="333333"/>
+              </a:solidFill>
+              <a:latin typeface="Helvetica Neue"/>
+            </a:endParaRPr>
+          </a:p>
+          <a:p>
+            <a:endParaRPr lang="en-US" sz="1600" dirty="0"/>
+          </a:p>
+        </p:txBody>
+      </p:sp>
+    </p:spTree>
+  </p:cSld>
+  <p:clrMapOvr>
+    <a:masterClrMapping/>
+  </p:clrMapOvr>
+</p:sld>
+</file>
+
+<file path=ppt/slides/slide21.xml><?xml version="1.0" encoding="utf-8"?>
+<p:sld xmlns:a="http://schemas.openxmlformats.org/drawingml/2006/main" xmlns:r="http://schemas.openxmlformats.org/officeDocument/2006/relationships" xmlns:p="http://schemas.openxmlformats.org/presentationml/2006/main">
+  <p:cSld>
+    <p:spTree>
+      <p:nvGrpSpPr>
+        <p:cNvPr id="1" name=""/>
+        <p:cNvGrpSpPr/>
+        <p:nvPr/>
+      </p:nvGrpSpPr>
+      <p:grpSpPr>
+        <a:xfrm>
+          <a:off x="0" y="0"/>
+          <a:ext cx="0" cy="0"/>
+          <a:chOff x="0" y="0"/>
+          <a:chExt cx="0" cy="0"/>
+        </a:xfrm>
+      </p:grpSpPr>
+      <p:sp>
+        <p:nvSpPr>
+          <p:cNvPr id="2" name="Title 1"/>
+          <p:cNvSpPr>
+            <a:spLocks noGrp="1"/>
+          </p:cNvSpPr>
+          <p:nvPr>
+            <p:ph type="title"/>
+          </p:nvPr>
+        </p:nvSpPr>
+        <p:spPr/>
+        <p:txBody>
+          <a:bodyPr/>
+          <a:lstStyle/>
+          <a:p>
+            <a:r>
+              <a:rPr lang="en-US" dirty="0"/>
+              <a:t>Model</a:t>
+            </a:r>
+          </a:p>
+        </p:txBody>
+      </p:sp>
+      <p:sp>
+        <p:nvSpPr>
+          <p:cNvPr id="4" name="Content Placeholder 3"/>
+          <p:cNvSpPr>
+            <a:spLocks noGrp="1"/>
+          </p:cNvSpPr>
+          <p:nvPr>
+            <p:ph sz="quarter" idx="1"/>
+          </p:nvPr>
+        </p:nvSpPr>
+        <p:spPr/>
+        <p:txBody>
+          <a:bodyPr>
+            <a:normAutofit fontScale="85000" lnSpcReduction="20000"/>
+          </a:bodyPr>
+          <a:lstStyle/>
+          <a:p>
+            <a:r>
+              <a:rPr lang="en-US" sz="2000" dirty="0"/>
+              <a:t>Model represents domain specific data and business logic in MVC architecture. It maintains the data of the application. Model objects retrieve and store model state in the </a:t>
+            </a:r>
+            <a:r>
+              <a:rPr lang="en-US" sz="2000" dirty="0" err="1"/>
+              <a:t>persistance</a:t>
+            </a:r>
+            <a:r>
+              <a:rPr lang="en-US" sz="2000" dirty="0"/>
+              <a:t> store like a database.</a:t>
+            </a:r>
+          </a:p>
+          <a:p>
+            <a:r>
+              <a:rPr lang="en-US" sz="2000" dirty="0"/>
+              <a:t>Model class holds data in public properties. All the Model classes reside in the Model folder in MVC folder structure.</a:t>
+            </a:r>
+          </a:p>
+          <a:p>
+            <a:pPr>
+              <a:buNone/>
+            </a:pPr>
+            <a:r>
+              <a:rPr lang="en-US" sz="2600" dirty="0">
+                <a:solidFill>
+                  <a:srgbClr val="0000FF"/>
+                </a:solidFill>
+              </a:rPr>
+              <a:t>namespace</a:t>
+            </a:r>
+            <a:r>
+              <a:rPr lang="en-US" sz="2600" dirty="0"/>
+              <a:t> </a:t>
+            </a:r>
+            <a:r>
+              <a:rPr lang="en-US" sz="2600" dirty="0" err="1"/>
+              <a:t>MVC_BasicTutorials.Models</a:t>
+            </a:r>
+            <a:r>
+              <a:rPr lang="en-US" sz="2600" dirty="0"/>
+              <a:t> </a:t>
+            </a:r>
+          </a:p>
+          <a:p>
+            <a:pPr>
+              <a:buNone/>
+            </a:pPr>
+            <a:r>
+              <a:rPr lang="en-US" sz="2600" dirty="0"/>
+              <a:t>{ </a:t>
+            </a:r>
+          </a:p>
+          <a:p>
+            <a:pPr>
+              <a:buNone/>
+            </a:pPr>
+            <a:r>
+              <a:rPr lang="en-US" sz="2600" dirty="0">
+                <a:solidFill>
+                  <a:srgbClr val="0000FF"/>
+                </a:solidFill>
+              </a:rPr>
+              <a:t>public</a:t>
+            </a:r>
+            <a:r>
+              <a:rPr lang="en-US" sz="2600" dirty="0"/>
+              <a:t> </a:t>
+            </a:r>
+            <a:r>
+              <a:rPr lang="en-US" sz="2600" dirty="0">
+                <a:solidFill>
+                  <a:srgbClr val="0000FF"/>
+                </a:solidFill>
+              </a:rPr>
+              <a:t>class</a:t>
+            </a:r>
+            <a:r>
+              <a:rPr lang="en-US" sz="2600" dirty="0"/>
+              <a:t> </a:t>
+            </a:r>
+            <a:r>
+              <a:rPr lang="en-US" sz="2600" dirty="0">
+                <a:solidFill>
+                  <a:srgbClr val="2B91AF"/>
+                </a:solidFill>
+              </a:rPr>
+              <a:t>Student</a:t>
+            </a:r>
+            <a:r>
+              <a:rPr lang="en-US" sz="2600" dirty="0"/>
+              <a:t> </a:t>
+            </a:r>
+          </a:p>
+          <a:p>
+            <a:pPr>
+              <a:buNone/>
+            </a:pPr>
+            <a:r>
+              <a:rPr lang="en-US" sz="2600" dirty="0"/>
+              <a:t>{ </a:t>
+            </a:r>
+          </a:p>
+          <a:p>
+            <a:pPr>
+              <a:buNone/>
+            </a:pPr>
+            <a:r>
+              <a:rPr lang="en-US" sz="2600" dirty="0">
+                <a:solidFill>
+                  <a:srgbClr val="0000FF"/>
+                </a:solidFill>
+              </a:rPr>
+              <a:t>public</a:t>
+            </a:r>
+            <a:r>
+              <a:rPr lang="en-US" sz="2600" dirty="0"/>
+              <a:t> </a:t>
+            </a:r>
+            <a:r>
+              <a:rPr lang="en-US" sz="2600" dirty="0" err="1">
+                <a:solidFill>
+                  <a:srgbClr val="0000FF"/>
+                </a:solidFill>
+              </a:rPr>
+              <a:t>int</a:t>
+            </a:r>
+            <a:r>
+              <a:rPr lang="en-US" sz="2600" dirty="0"/>
+              <a:t> </a:t>
+            </a:r>
+            <a:r>
+              <a:rPr lang="en-US" sz="2600" dirty="0" err="1"/>
+              <a:t>StudentId</a:t>
+            </a:r>
+            <a:r>
+              <a:rPr lang="en-US" sz="2600" dirty="0"/>
+              <a:t> { </a:t>
+            </a:r>
+            <a:r>
+              <a:rPr lang="en-US" sz="2600" dirty="0">
+                <a:solidFill>
+                  <a:srgbClr val="0000FF"/>
+                </a:solidFill>
+              </a:rPr>
+              <a:t>get</a:t>
+            </a:r>
+            <a:r>
+              <a:rPr lang="en-US" sz="2600" dirty="0"/>
+              <a:t>; </a:t>
+            </a:r>
+            <a:r>
+              <a:rPr lang="en-US" sz="2600" dirty="0">
+                <a:solidFill>
+                  <a:srgbClr val="0000FF"/>
+                </a:solidFill>
+              </a:rPr>
+              <a:t>set</a:t>
+            </a:r>
+            <a:r>
+              <a:rPr lang="en-US" sz="2600" dirty="0"/>
+              <a:t>; } </a:t>
+            </a:r>
+          </a:p>
+          <a:p>
+            <a:pPr>
+              <a:buNone/>
+            </a:pPr>
+            <a:r>
+              <a:rPr lang="en-US" sz="2600" dirty="0">
+                <a:solidFill>
+                  <a:srgbClr val="0000FF"/>
+                </a:solidFill>
+              </a:rPr>
+              <a:t>public</a:t>
+            </a:r>
+            <a:r>
+              <a:rPr lang="en-US" sz="2600" dirty="0"/>
+              <a:t> </a:t>
+            </a:r>
+            <a:r>
+              <a:rPr lang="en-US" sz="2600" dirty="0">
+                <a:solidFill>
+                  <a:srgbClr val="0000FF"/>
+                </a:solidFill>
+              </a:rPr>
+              <a:t>string</a:t>
+            </a:r>
+            <a:r>
+              <a:rPr lang="en-US" sz="2600" dirty="0"/>
+              <a:t> </a:t>
+            </a:r>
+            <a:r>
+              <a:rPr lang="en-US" sz="2600" dirty="0" err="1"/>
+              <a:t>StudentName</a:t>
+            </a:r>
+            <a:r>
+              <a:rPr lang="en-US" sz="2600" dirty="0"/>
+              <a:t> { </a:t>
+            </a:r>
+            <a:r>
+              <a:rPr lang="en-US" sz="2600" dirty="0">
+                <a:solidFill>
+                  <a:srgbClr val="0000FF"/>
+                </a:solidFill>
+              </a:rPr>
+              <a:t>get</a:t>
+            </a:r>
+            <a:r>
+              <a:rPr lang="en-US" sz="2600" dirty="0"/>
+              <a:t>; </a:t>
+            </a:r>
+            <a:r>
+              <a:rPr lang="en-US" sz="2600" dirty="0">
+                <a:solidFill>
+                  <a:srgbClr val="0000FF"/>
+                </a:solidFill>
+              </a:rPr>
+              <a:t>set</a:t>
+            </a:r>
+            <a:r>
+              <a:rPr lang="en-US" sz="2600" dirty="0"/>
+              <a:t>; } </a:t>
+            </a:r>
+          </a:p>
+          <a:p>
+            <a:pPr>
+              <a:buNone/>
+            </a:pPr>
+            <a:r>
+              <a:rPr lang="en-US" sz="2600" dirty="0">
+                <a:solidFill>
+                  <a:srgbClr val="0000FF"/>
+                </a:solidFill>
+              </a:rPr>
+              <a:t>public</a:t>
+            </a:r>
+            <a:r>
+              <a:rPr lang="en-US" sz="2600" dirty="0"/>
+              <a:t> </a:t>
+            </a:r>
+            <a:r>
+              <a:rPr lang="en-US" sz="2600" dirty="0" err="1">
+                <a:solidFill>
+                  <a:srgbClr val="0000FF"/>
+                </a:solidFill>
+              </a:rPr>
+              <a:t>int</a:t>
+            </a:r>
+            <a:r>
+              <a:rPr lang="en-US" sz="2600" dirty="0"/>
+              <a:t> Age { </a:t>
+            </a:r>
+            <a:r>
+              <a:rPr lang="en-US" sz="2600" dirty="0">
+                <a:solidFill>
+                  <a:srgbClr val="0000FF"/>
+                </a:solidFill>
+              </a:rPr>
+              <a:t>get</a:t>
+            </a:r>
+            <a:r>
+              <a:rPr lang="en-US" sz="2600" dirty="0"/>
+              <a:t>; </a:t>
+            </a:r>
+            <a:r>
+              <a:rPr lang="en-US" sz="2600" dirty="0">
+                <a:solidFill>
+                  <a:srgbClr val="0000FF"/>
+                </a:solidFill>
+              </a:rPr>
+              <a:t>set</a:t>
+            </a:r>
+            <a:r>
+              <a:rPr lang="en-US" sz="2600" dirty="0"/>
+              <a:t>; } </a:t>
+            </a:r>
+          </a:p>
+          <a:p>
+            <a:pPr>
+              <a:buNone/>
+            </a:pPr>
+            <a:r>
+              <a:rPr lang="en-US" sz="2600" dirty="0"/>
+              <a:t>} </a:t>
+            </a:r>
+          </a:p>
+          <a:p>
+            <a:pPr>
+              <a:buNone/>
+            </a:pPr>
+            <a:r>
+              <a:rPr lang="en-US" sz="2600" dirty="0"/>
+              <a:t>}</a:t>
+            </a:r>
+          </a:p>
+        </p:txBody>
+      </p:sp>
+    </p:spTree>
   </p:cSld>
   <p:clrMapOvr>
     <a:masterClrMapping/>

--- a/MVC/PPT/MVC-Core-Overview.pptx
+++ b/MVC/PPT/MVC-Core-Overview.pptx
@@ -238,7 +238,7 @@
             <a:fld id="{1DD5F747-CBD4-481C-9122-2B2864730950}" type="datetimeFigureOut">
               <a:rPr lang="en-US" smtClean="0"/>
               <a:pPr/>
-              <a:t>10/18/2023</a:t>
+              <a:t>7/29/2024</a:t>
             </a:fld>
             <a:endParaRPr lang="en-US"/>
           </a:p>
@@ -409,7 +409,7 @@
             <a:fld id="{7F00FF7B-209F-45C5-B72F-CCFE0E145990}" type="datetimeFigureOut">
               <a:rPr lang="en-US" smtClean="0"/>
               <a:pPr/>
-              <a:t>10/18/2023</a:t>
+              <a:t>7/29/2024</a:t>
             </a:fld>
             <a:endParaRPr lang="en-US"/>
           </a:p>
@@ -4819,7 +4819,7 @@
             <a:fld id="{1D8BD707-D9CF-40AE-B4C6-C98DA3205C09}" type="datetimeFigureOut">
               <a:rPr lang="en-US" smtClean="0"/>
               <a:pPr/>
-              <a:t>10/18/2023</a:t>
+              <a:t>7/29/2024</a:t>
             </a:fld>
             <a:endParaRPr lang="en-US"/>
           </a:p>
@@ -5011,7 +5011,7 @@
             <a:fld id="{1D8BD707-D9CF-40AE-B4C6-C98DA3205C09}" type="datetimeFigureOut">
               <a:rPr lang="en-US" smtClean="0"/>
               <a:pPr/>
-              <a:t>10/18/2023</a:t>
+              <a:t>7/29/2024</a:t>
             </a:fld>
             <a:endParaRPr lang="en-US"/>
           </a:p>
@@ -5197,7 +5197,7 @@
             <a:fld id="{1D8BD707-D9CF-40AE-B4C6-C98DA3205C09}" type="datetimeFigureOut">
               <a:rPr lang="en-US" smtClean="0"/>
               <a:pPr/>
-              <a:t>10/18/2023</a:t>
+              <a:t>7/29/2024</a:t>
             </a:fld>
             <a:endParaRPr lang="en-US"/>
           </a:p>
@@ -5631,7 +5631,7 @@
             <a:fld id="{1D8BD707-D9CF-40AE-B4C6-C98DA3205C09}" type="datetimeFigureOut">
               <a:rPr lang="en-US" smtClean="0"/>
               <a:pPr/>
-              <a:t>10/18/2023</a:t>
+              <a:t>7/29/2024</a:t>
             </a:fld>
             <a:endParaRPr lang="en-US"/>
           </a:p>
@@ -6048,7 +6048,7 @@
             <a:fld id="{1D8BD707-D9CF-40AE-B4C6-C98DA3205C09}" type="datetimeFigureOut">
               <a:rPr lang="en-US" smtClean="0"/>
               <a:pPr/>
-              <a:t>10/18/2023</a:t>
+              <a:t>7/29/2024</a:t>
             </a:fld>
             <a:endParaRPr lang="en-US"/>
           </a:p>
@@ -6291,7 +6291,7 @@
             <a:fld id="{1D8BD707-D9CF-40AE-B4C6-C98DA3205C09}" type="datetimeFigureOut">
               <a:rPr lang="en-US" smtClean="0"/>
               <a:pPr/>
-              <a:t>10/18/2023</a:t>
+              <a:t>7/29/2024</a:t>
             </a:fld>
             <a:endParaRPr lang="en-US"/>
           </a:p>
@@ -6528,7 +6528,7 @@
             <a:fld id="{1D8BD707-D9CF-40AE-B4C6-C98DA3205C09}" type="datetimeFigureOut">
               <a:rPr lang="en-US" smtClean="0"/>
               <a:pPr/>
-              <a:t>10/18/2023</a:t>
+              <a:t>7/29/2024</a:t>
             </a:fld>
             <a:endParaRPr lang="en-US"/>
           </a:p>
@@ -6724,7 +6724,7 @@
             <a:fld id="{1D8BD707-D9CF-40AE-B4C6-C98DA3205C09}" type="datetimeFigureOut">
               <a:rPr lang="en-US" smtClean="0"/>
               <a:pPr/>
-              <a:t>10/18/2023</a:t>
+              <a:t>7/29/2024</a:t>
             </a:fld>
             <a:endParaRPr lang="en-US"/>
           </a:p>
@@ -6824,7 +6824,7 @@
             <a:fld id="{1D8BD707-D9CF-40AE-B4C6-C98DA3205C09}" type="datetimeFigureOut">
               <a:rPr lang="en-US" smtClean="0"/>
               <a:pPr/>
-              <a:t>10/18/2023</a:t>
+              <a:t>7/29/2024</a:t>
             </a:fld>
             <a:endParaRPr lang="en-US"/>
           </a:p>
@@ -6961,7 +6961,7 @@
             <a:fld id="{1D8BD707-D9CF-40AE-B4C6-C98DA3205C09}" type="datetimeFigureOut">
               <a:rPr lang="en-US" smtClean="0"/>
               <a:pPr/>
-              <a:t>10/18/2023</a:t>
+              <a:t>7/29/2024</a:t>
             </a:fld>
             <a:endParaRPr lang="en-US"/>
           </a:p>
@@ -7480,7 +7480,7 @@
             <a:fld id="{1D8BD707-D9CF-40AE-B4C6-C98DA3205C09}" type="datetimeFigureOut">
               <a:rPr lang="en-US" smtClean="0"/>
               <a:pPr/>
-              <a:t>10/18/2023</a:t>
+              <a:t>7/29/2024</a:t>
             </a:fld>
             <a:endParaRPr lang="en-US"/>
           </a:p>
@@ -7741,7 +7741,7 @@
             <a:fld id="{1D8BD707-D9CF-40AE-B4C6-C98DA3205C09}" type="datetimeFigureOut">
               <a:rPr lang="en-US" smtClean="0"/>
               <a:pPr/>
-              <a:t>10/18/2023</a:t>
+              <a:t>7/29/2024</a:t>
             </a:fld>
             <a:endParaRPr lang="en-US"/>
           </a:p>
@@ -10891,7 +10891,7 @@
           <a:p>
             <a:r>
               <a:rPr lang="en-US" dirty="0"/>
-              <a:t>Passing Data from Controller to View	</a:t>
+              <a:t>Passing Data from Controller action method to View	</a:t>
             </a:r>
           </a:p>
         </p:txBody>

--- a/MVC/PPT/MVC-Core-Overview.pptx
+++ b/MVC/PPT/MVC-Core-Overview.pptx
@@ -238,7 +238,7 @@
             <a:fld id="{1DD5F747-CBD4-481C-9122-2B2864730950}" type="datetimeFigureOut">
               <a:rPr lang="en-US" smtClean="0"/>
               <a:pPr/>
-              <a:t>7/29/2024</a:t>
+              <a:t>10/18/2023</a:t>
             </a:fld>
             <a:endParaRPr lang="en-US"/>
           </a:p>
@@ -409,7 +409,7 @@
             <a:fld id="{7F00FF7B-209F-45C5-B72F-CCFE0E145990}" type="datetimeFigureOut">
               <a:rPr lang="en-US" smtClean="0"/>
               <a:pPr/>
-              <a:t>7/29/2024</a:t>
+              <a:t>10/18/2023</a:t>
             </a:fld>
             <a:endParaRPr lang="en-US"/>
           </a:p>
@@ -4819,7 +4819,7 @@
             <a:fld id="{1D8BD707-D9CF-40AE-B4C6-C98DA3205C09}" type="datetimeFigureOut">
               <a:rPr lang="en-US" smtClean="0"/>
               <a:pPr/>
-              <a:t>7/29/2024</a:t>
+              <a:t>10/18/2023</a:t>
             </a:fld>
             <a:endParaRPr lang="en-US"/>
           </a:p>
@@ -5011,7 +5011,7 @@
             <a:fld id="{1D8BD707-D9CF-40AE-B4C6-C98DA3205C09}" type="datetimeFigureOut">
               <a:rPr lang="en-US" smtClean="0"/>
               <a:pPr/>
-              <a:t>7/29/2024</a:t>
+              <a:t>10/18/2023</a:t>
             </a:fld>
             <a:endParaRPr lang="en-US"/>
           </a:p>
@@ -5197,7 +5197,7 @@
             <a:fld id="{1D8BD707-D9CF-40AE-B4C6-C98DA3205C09}" type="datetimeFigureOut">
               <a:rPr lang="en-US" smtClean="0"/>
               <a:pPr/>
-              <a:t>7/29/2024</a:t>
+              <a:t>10/18/2023</a:t>
             </a:fld>
             <a:endParaRPr lang="en-US"/>
           </a:p>
@@ -5631,7 +5631,7 @@
             <a:fld id="{1D8BD707-D9CF-40AE-B4C6-C98DA3205C09}" type="datetimeFigureOut">
               <a:rPr lang="en-US" smtClean="0"/>
               <a:pPr/>
-              <a:t>7/29/2024</a:t>
+              <a:t>10/18/2023</a:t>
             </a:fld>
             <a:endParaRPr lang="en-US"/>
           </a:p>
@@ -6048,7 +6048,7 @@
             <a:fld id="{1D8BD707-D9CF-40AE-B4C6-C98DA3205C09}" type="datetimeFigureOut">
               <a:rPr lang="en-US" smtClean="0"/>
               <a:pPr/>
-              <a:t>7/29/2024</a:t>
+              <a:t>10/18/2023</a:t>
             </a:fld>
             <a:endParaRPr lang="en-US"/>
           </a:p>
@@ -6291,7 +6291,7 @@
             <a:fld id="{1D8BD707-D9CF-40AE-B4C6-C98DA3205C09}" type="datetimeFigureOut">
               <a:rPr lang="en-US" smtClean="0"/>
               <a:pPr/>
-              <a:t>7/29/2024</a:t>
+              <a:t>10/18/2023</a:t>
             </a:fld>
             <a:endParaRPr lang="en-US"/>
           </a:p>
@@ -6528,7 +6528,7 @@
             <a:fld id="{1D8BD707-D9CF-40AE-B4C6-C98DA3205C09}" type="datetimeFigureOut">
               <a:rPr lang="en-US" smtClean="0"/>
               <a:pPr/>
-              <a:t>7/29/2024</a:t>
+              <a:t>10/18/2023</a:t>
             </a:fld>
             <a:endParaRPr lang="en-US"/>
           </a:p>
@@ -6724,7 +6724,7 @@
             <a:fld id="{1D8BD707-D9CF-40AE-B4C6-C98DA3205C09}" type="datetimeFigureOut">
               <a:rPr lang="en-US" smtClean="0"/>
               <a:pPr/>
-              <a:t>7/29/2024</a:t>
+              <a:t>10/18/2023</a:t>
             </a:fld>
             <a:endParaRPr lang="en-US"/>
           </a:p>
@@ -6824,7 +6824,7 @@
             <a:fld id="{1D8BD707-D9CF-40AE-B4C6-C98DA3205C09}" type="datetimeFigureOut">
               <a:rPr lang="en-US" smtClean="0"/>
               <a:pPr/>
-              <a:t>7/29/2024</a:t>
+              <a:t>10/18/2023</a:t>
             </a:fld>
             <a:endParaRPr lang="en-US"/>
           </a:p>
@@ -6961,7 +6961,7 @@
             <a:fld id="{1D8BD707-D9CF-40AE-B4C6-C98DA3205C09}" type="datetimeFigureOut">
               <a:rPr lang="en-US" smtClean="0"/>
               <a:pPr/>
-              <a:t>7/29/2024</a:t>
+              <a:t>10/18/2023</a:t>
             </a:fld>
             <a:endParaRPr lang="en-US"/>
           </a:p>
@@ -7480,7 +7480,7 @@
             <a:fld id="{1D8BD707-D9CF-40AE-B4C6-C98DA3205C09}" type="datetimeFigureOut">
               <a:rPr lang="en-US" smtClean="0"/>
               <a:pPr/>
-              <a:t>7/29/2024</a:t>
+              <a:t>10/18/2023</a:t>
             </a:fld>
             <a:endParaRPr lang="en-US"/>
           </a:p>
@@ -7741,7 +7741,7 @@
             <a:fld id="{1D8BD707-D9CF-40AE-B4C6-C98DA3205C09}" type="datetimeFigureOut">
               <a:rPr lang="en-US" smtClean="0"/>
               <a:pPr/>
-              <a:t>7/29/2024</a:t>
+              <a:t>10/18/2023</a:t>
             </a:fld>
             <a:endParaRPr lang="en-US"/>
           </a:p>
@@ -10891,7 +10891,7 @@
           <a:p>
             <a:r>
               <a:rPr lang="en-US" dirty="0"/>
-              <a:t>Passing Data from Controller action method to View	</a:t>
+              <a:t>Passing Data from Controller to View	</a:t>
             </a:r>
           </a:p>
         </p:txBody>
